--- a/Марио.pptx
+++ b/Марио.pptx
@@ -17,6 +17,7 @@
     <p:sldId id="266" r:id="rId11"/>
     <p:sldId id="267" r:id="rId12"/>
     <p:sldId id="268" r:id="rId13"/>
+    <p:sldId id="269" r:id="rId14"/>
   </p:sldIdLst>
   <p:sldSz cx="9144000" cy="6858000" type="screen4x3"/>
   <p:notesSz cx="6858000" cy="9144000"/>
@@ -3793,6 +3794,242 @@
 </p:sld>
 </file>
 
+<file path=ppt/slides/slide13.xml><?xml version="1.0" encoding="utf-8"?>
+<p:sld xmlns:a="http://schemas.openxmlformats.org/drawingml/2006/main" xmlns:r="http://schemas.openxmlformats.org/officeDocument/2006/relationships" xmlns:p="http://schemas.openxmlformats.org/presentationml/2006/main">
+  <p:cSld>
+    <p:spTree>
+      <p:nvGrpSpPr>
+        <p:cNvPr id="1" name=""/>
+        <p:cNvGrpSpPr/>
+        <p:nvPr/>
+      </p:nvGrpSpPr>
+      <p:grpSpPr>
+        <a:xfrm>
+          <a:off x="0" y="0"/>
+          <a:ext cx="0" cy="0"/>
+          <a:chOff x="0" y="0"/>
+          <a:chExt cx="0" cy="0"/>
+        </a:xfrm>
+      </p:grpSpPr>
+      <p:sp>
+        <p:nvSpPr>
+          <p:cNvPr id="2" name="Заголовок 1"/>
+          <p:cNvSpPr>
+            <a:spLocks noGrp="1"/>
+          </p:cNvSpPr>
+          <p:nvPr>
+            <p:ph type="title"/>
+          </p:nvPr>
+        </p:nvSpPr>
+        <p:spPr/>
+        <p:txBody>
+          <a:bodyPr/>
+          <a:lstStyle/>
+          <a:p>
+            <a:r>
+              <a:rPr lang="ru-RU" dirty="0" smtClean="0"/>
+              <a:t>Описание работы программы</a:t>
+            </a:r>
+            <a:endParaRPr lang="ru-RU" dirty="0"/>
+          </a:p>
+        </p:txBody>
+      </p:sp>
+      <p:sp>
+        <p:nvSpPr>
+          <p:cNvPr id="3" name="Объект 2"/>
+          <p:cNvSpPr>
+            <a:spLocks noGrp="1"/>
+          </p:cNvSpPr>
+          <p:nvPr>
+            <p:ph idx="1"/>
+          </p:nvPr>
+        </p:nvSpPr>
+        <p:spPr>
+          <a:xfrm>
+            <a:off x="457200" y="1600200"/>
+            <a:ext cx="8229600" cy="4997152"/>
+          </a:xfrm>
+        </p:spPr>
+        <p:txBody>
+          <a:bodyPr>
+            <a:normAutofit fontScale="77500" lnSpcReduction="20000"/>
+          </a:bodyPr>
+          <a:lstStyle/>
+          <a:p>
+            <a:r>
+              <a:rPr lang="ru-RU" dirty="0"/>
+              <a:t>При запуске программы вызывается основная функция </a:t>
+            </a:r>
+            <a:r>
+              <a:rPr lang="en-US" dirty="0"/>
+              <a:t>main</a:t>
+            </a:r>
+            <a:r>
+              <a:rPr lang="ru-RU" dirty="0"/>
+              <a:t>. В функции происходит создание окна и создание экземпляров классов </a:t>
+            </a:r>
+            <a:r>
+              <a:rPr lang="en-US" dirty="0"/>
+              <a:t>Menu</a:t>
+            </a:r>
+            <a:r>
+              <a:rPr lang="ru-RU" dirty="0"/>
+              <a:t>, </a:t>
+            </a:r>
+            <a:r>
+              <a:rPr lang="en-US" dirty="0"/>
+              <a:t>Player</a:t>
+            </a:r>
+            <a:r>
+              <a:rPr lang="ru-RU" dirty="0"/>
+              <a:t>. Класс </a:t>
+            </a:r>
+            <a:r>
+              <a:rPr lang="en-US" dirty="0"/>
+              <a:t>Menu </a:t>
+            </a:r>
+            <a:r>
+              <a:rPr lang="ru-RU" dirty="0"/>
+              <a:t>отображает меню с выбором уровня. В класс </a:t>
+            </a:r>
+            <a:r>
+              <a:rPr lang="en-US" dirty="0"/>
+              <a:t>Player </a:t>
+            </a:r>
+            <a:r>
+              <a:rPr lang="ru-RU" dirty="0"/>
+              <a:t>передаются начальные координаты игрока. Так же в функции создается экземпляр класса </a:t>
+            </a:r>
+            <a:r>
+              <a:rPr lang="en-US" dirty="0"/>
+              <a:t>Cam</a:t>
+            </a:r>
+            <a:r>
+              <a:rPr lang="ru-RU" dirty="0"/>
+              <a:t>, в который передается основные параметры камеры, описанные в функции </a:t>
+            </a:r>
+            <a:r>
+              <a:rPr lang="en-US" dirty="0"/>
+              <a:t>camera</a:t>
+            </a:r>
+            <a:r>
+              <a:rPr lang="ru-RU" dirty="0"/>
+              <a:t>_</a:t>
+            </a:r>
+            <a:r>
+              <a:rPr lang="en-US" dirty="0"/>
+              <a:t>settings</a:t>
+            </a:r>
+            <a:r>
+              <a:rPr lang="ru-RU" dirty="0"/>
+              <a:t>. Класс </a:t>
+            </a:r>
+            <a:r>
+              <a:rPr lang="en-US" dirty="0"/>
+              <a:t>Cam </a:t>
+            </a:r>
+            <a:r>
+              <a:rPr lang="ru-RU" dirty="0"/>
+              <a:t>перемещает камеру за игроком. После выбора уровня цикл проходит по текстовому варианту уровня и создает на месте “-” – экземпляр класса </a:t>
+            </a:r>
+            <a:r>
+              <a:rPr lang="ru-RU" dirty="0" err="1"/>
+              <a:t>Platform</a:t>
+            </a:r>
+            <a:r>
+              <a:rPr lang="ru-RU" dirty="0"/>
+              <a:t>, “*” - экземпляр класса </a:t>
+            </a:r>
+            <a:r>
+              <a:rPr lang="ru-RU" dirty="0" err="1"/>
+              <a:t>Trap</a:t>
+            </a:r>
+            <a:r>
+              <a:rPr lang="ru-RU" dirty="0"/>
+              <a:t>, “</a:t>
+            </a:r>
+            <a:r>
+              <a:rPr lang="en-US" dirty="0"/>
+              <a:t>W</a:t>
+            </a:r>
+            <a:r>
+              <a:rPr lang="ru-RU" dirty="0"/>
+              <a:t>” - экземпляр класса – </a:t>
+            </a:r>
+            <a:r>
+              <a:rPr lang="ru-RU" dirty="0" err="1"/>
+              <a:t>WinBlock</a:t>
+            </a:r>
+            <a:r>
+              <a:rPr lang="ru-RU" dirty="0"/>
+              <a:t>. После создания уровня цикл </a:t>
+            </a:r>
+            <a:r>
+              <a:rPr lang="en-US" dirty="0"/>
+              <a:t>while </a:t>
+            </a:r>
+            <a:r>
+              <a:rPr lang="ru-RU" dirty="0"/>
+              <a:t>будет работать, пока игрок не выйдет из программы. В этом цикле обрабатывается каждое нажатие игрока. Далее в экземпляр класс </a:t>
+            </a:r>
+            <a:r>
+              <a:rPr lang="en-US" dirty="0"/>
+              <a:t>Cam </a:t>
+            </a:r>
+            <a:r>
+              <a:rPr lang="ru-RU" dirty="0"/>
+              <a:t>передаются координаты игрока, и камера перемещается в эти координаты, и экран обновляется. Если игрок сталкивается с экземпляром класса </a:t>
+            </a:r>
+            <a:r>
+              <a:rPr lang="ru-RU" dirty="0" err="1"/>
+              <a:t>Trap</a:t>
+            </a:r>
+            <a:r>
+              <a:rPr lang="ru-RU" dirty="0"/>
+              <a:t>, то вызывается функция </a:t>
+            </a:r>
+            <a:r>
+              <a:rPr lang="en-US" dirty="0"/>
+              <a:t>die</a:t>
+            </a:r>
+            <a:r>
+              <a:rPr lang="ru-RU" dirty="0"/>
+              <a:t>, и игрок переносится в начальные координаты. Если игрок сталкивается с экземпляром класса </a:t>
+            </a:r>
+            <a:r>
+              <a:rPr lang="en-US" dirty="0" err="1"/>
+              <a:t>WinBlock</a:t>
+            </a:r>
+            <a:r>
+              <a:rPr lang="ru-RU" dirty="0"/>
+              <a:t>, то игрок переносится в начальные координаты следующего уровня.</a:t>
+            </a:r>
+          </a:p>
+          <a:p>
+            <a:endParaRPr lang="ru-RU" dirty="0"/>
+          </a:p>
+        </p:txBody>
+      </p:sp>
+    </p:spTree>
+    <p:extLst>
+      <p:ext uri="{BB962C8B-B14F-4D97-AF65-F5344CB8AC3E}">
+        <p14:creationId xmlns:p14="http://schemas.microsoft.com/office/powerpoint/2010/main" val="3914057240"/>
+      </p:ext>
+    </p:extLst>
+  </p:cSld>
+  <p:clrMapOvr>
+    <a:masterClrMapping/>
+  </p:clrMapOvr>
+  <p:timing>
+    <p:tnLst>
+      <p:par>
+        <p:cTn id="1" dur="indefinite" restart="never" nodeType="tmRoot"/>
+      </p:par>
+    </p:tnLst>
+  </p:timing>
+</p:sld>
+</file>
+
 <file path=ppt/slides/slide2.xml><?xml version="1.0" encoding="utf-8"?>
 <p:sld xmlns:a="http://schemas.openxmlformats.org/drawingml/2006/main" xmlns:r="http://schemas.openxmlformats.org/officeDocument/2006/relationships" xmlns:p="http://schemas.openxmlformats.org/presentationml/2006/main">
   <p:cSld>
